--- a/inst/extdata/template_fullslide.pptx
+++ b/inst/extdata/template_fullslide.pptx
@@ -203,7 +203,7 @@
           <a:p>
             <a:fld id="{E6375376-077A-8F42-9E71-155E70FB596E}" type="datetimeFigureOut">
               <a:rPr lang="en-US" smtClean="0"/>
-              <a:t>5/26/23</a:t>
+              <a:t>1/14/2025</a:t>
             </a:fld>
             <a:endParaRPr lang="en-US"/>
           </a:p>
@@ -1153,7 +1153,7 @@
           <a:p>
             <a:fld id="{184C34C6-D93D-964F-98F1-8B05274CB5BF}" type="datetimeFigureOut">
               <a:rPr lang="en-US" smtClean="0"/>
-              <a:t>5/26/23</a:t>
+              <a:t>1/14/2025</a:t>
             </a:fld>
             <a:endParaRPr lang="en-US"/>
           </a:p>
@@ -1374,7 +1374,7 @@
           <a:p>
             <a:fld id="{184C34C6-D93D-964F-98F1-8B05274CB5BF}" type="datetimeFigureOut">
               <a:rPr lang="en-US" smtClean="0"/>
-              <a:t>5/26/23</a:t>
+              <a:t>1/14/2025</a:t>
             </a:fld>
             <a:endParaRPr lang="en-US" dirty="0"/>
           </a:p>
@@ -1698,7 +1698,7 @@
           <a:p>
             <a:fld id="{184C34C6-D93D-964F-98F1-8B05274CB5BF}" type="datetimeFigureOut">
               <a:rPr lang="en-US" smtClean="0"/>
-              <a:t>5/26/23</a:t>
+              <a:t>1/14/2025</a:t>
             </a:fld>
             <a:endParaRPr lang="en-US" dirty="0"/>
           </a:p>
@@ -2215,7 +2215,7 @@
           <a:p>
             <a:fld id="{184C34C6-D93D-964F-98F1-8B05274CB5BF}" type="datetimeFigureOut">
               <a:rPr lang="en-US" smtClean="0"/>
-              <a:t>5/26/23</a:t>
+              <a:t>1/14/2025</a:t>
             </a:fld>
             <a:endParaRPr lang="en-US" dirty="0"/>
           </a:p>
@@ -2576,7 +2576,7 @@
         </p:spPr>
         <p:txBody>
           <a:bodyPr>
-            <a:noAutofit/>
+            <a:normAutofit/>
           </a:bodyPr>
           <a:lstStyle>
             <a:lvl1pPr marL="0" indent="0">
@@ -2612,16 +2612,22 @@
         </p:nvSpPr>
         <p:spPr>
           <a:xfrm>
-            <a:off x="371475" y="6609900"/>
-            <a:ext cx="10662320" cy="204762"/>
+            <a:off x="371474" y="6586456"/>
+            <a:ext cx="11412539" cy="228206"/>
           </a:xfrm>
         </p:spPr>
         <p:txBody>
           <a:bodyPr>
-            <a:noAutofit/>
+            <a:normAutofit/>
           </a:bodyPr>
           <a:lstStyle>
             <a:lvl1pPr marL="0" indent="0">
+              <a:lnSpc>
+                <a:spcPct val="100000"/>
+              </a:lnSpc>
+              <a:spcBef>
+                <a:spcPts val="0"/>
+              </a:spcBef>
               <a:buNone/>
               <a:defRPr sz="800"/>
             </a:lvl1pPr>
@@ -2900,7 +2906,7 @@
           <a:p>
             <a:fld id="{184C34C6-D93D-964F-98F1-8B05274CB5BF}" type="datetimeFigureOut">
               <a:rPr lang="en-AU" noProof="0" smtClean="0"/>
-              <a:t>26/5/2023</a:t>
+              <a:t>14/01/2025</a:t>
             </a:fld>
             <a:endParaRPr lang="en-AU" noProof="0"/>
           </a:p>

--- a/inst/extdata/template_fullslide.pptx
+++ b/inst/extdata/template_fullslide.pptx
@@ -203,7 +203,7 @@
           <a:p>
             <a:fld id="{E6375376-077A-8F42-9E71-155E70FB596E}" type="datetimeFigureOut">
               <a:rPr lang="en-US" smtClean="0"/>
-              <a:t>1/14/2025</a:t>
+              <a:t>2/14/2025</a:t>
             </a:fld>
             <a:endParaRPr lang="en-US"/>
           </a:p>
@@ -1153,7 +1153,7 @@
           <a:p>
             <a:fld id="{184C34C6-D93D-964F-98F1-8B05274CB5BF}" type="datetimeFigureOut">
               <a:rPr lang="en-US" smtClean="0"/>
-              <a:t>1/14/2025</a:t>
+              <a:t>2/14/2025</a:t>
             </a:fld>
             <a:endParaRPr lang="en-US"/>
           </a:p>
@@ -1374,7 +1374,7 @@
           <a:p>
             <a:fld id="{184C34C6-D93D-964F-98F1-8B05274CB5BF}" type="datetimeFigureOut">
               <a:rPr lang="en-US" smtClean="0"/>
-              <a:t>1/14/2025</a:t>
+              <a:t>2/14/2025</a:t>
             </a:fld>
             <a:endParaRPr lang="en-US" dirty="0"/>
           </a:p>
@@ -1698,7 +1698,7 @@
           <a:p>
             <a:fld id="{184C34C6-D93D-964F-98F1-8B05274CB5BF}" type="datetimeFigureOut">
               <a:rPr lang="en-US" smtClean="0"/>
-              <a:t>1/14/2025</a:t>
+              <a:t>2/14/2025</a:t>
             </a:fld>
             <a:endParaRPr lang="en-US" dirty="0"/>
           </a:p>
@@ -2215,7 +2215,7 @@
           <a:p>
             <a:fld id="{184C34C6-D93D-964F-98F1-8B05274CB5BF}" type="datetimeFigureOut">
               <a:rPr lang="en-US" smtClean="0"/>
-              <a:t>1/14/2025</a:t>
+              <a:t>2/14/2025</a:t>
             </a:fld>
             <a:endParaRPr lang="en-US" dirty="0"/>
           </a:p>
@@ -2617,8 +2617,8 @@
           </a:xfrm>
         </p:spPr>
         <p:txBody>
-          <a:bodyPr>
-            <a:normAutofit/>
+          <a:bodyPr anchor="b" anchorCtr="0">
+            <a:noAutofit/>
           </a:bodyPr>
           <a:lstStyle>
             <a:lvl1pPr marL="0" indent="0">
@@ -2906,7 +2906,7 @@
           <a:p>
             <a:fld id="{184C34C6-D93D-964F-98F1-8B05274CB5BF}" type="datetimeFigureOut">
               <a:rPr lang="en-AU" noProof="0" smtClean="0"/>
-              <a:t>14/01/2025</a:t>
+              <a:t>14/02/2025</a:t>
             </a:fld>
             <a:endParaRPr lang="en-AU" noProof="0"/>
           </a:p>

--- a/inst/extdata/template_fullslide.pptx
+++ b/inst/extdata/template_fullslide.pptx
@@ -5,8 +5,11 @@
     <p:sldMasterId id="2147483831" r:id="rId1"/>
   </p:sldMasterIdLst>
   <p:notesMasterIdLst>
-    <p:notesMasterId r:id="rId2"/>
+    <p:notesMasterId r:id="rId3"/>
   </p:notesMasterIdLst>
+  <p:sldIdLst>
+    <p:sldId id="256" r:id="rId2"/>
+  </p:sldIdLst>
   <p:sldSz cx="12192000" cy="6858000"/>
   <p:notesSz cx="6858000" cy="9144000"/>
   <p:defaultTextStyle>
@@ -203,7 +206,7 @@
           <a:p>
             <a:fld id="{E6375376-077A-8F42-9E71-155E70FB596E}" type="datetimeFigureOut">
               <a:rPr lang="en-US" smtClean="0"/>
-              <a:t>1/14/2025</a:t>
+              <a:t>2/26/25</a:t>
             </a:fld>
             <a:endParaRPr lang="en-US"/>
           </a:p>
@@ -1153,7 +1156,7 @@
           <a:p>
             <a:fld id="{184C34C6-D93D-964F-98F1-8B05274CB5BF}" type="datetimeFigureOut">
               <a:rPr lang="en-US" smtClean="0"/>
-              <a:t>1/14/2025</a:t>
+              <a:t>2/26/25</a:t>
             </a:fld>
             <a:endParaRPr lang="en-US"/>
           </a:p>
@@ -1374,7 +1377,7 @@
           <a:p>
             <a:fld id="{184C34C6-D93D-964F-98F1-8B05274CB5BF}" type="datetimeFigureOut">
               <a:rPr lang="en-US" smtClean="0"/>
-              <a:t>1/14/2025</a:t>
+              <a:t>2/26/25</a:t>
             </a:fld>
             <a:endParaRPr lang="en-US" dirty="0"/>
           </a:p>
@@ -1698,7 +1701,7 @@
           <a:p>
             <a:fld id="{184C34C6-D93D-964F-98F1-8B05274CB5BF}" type="datetimeFigureOut">
               <a:rPr lang="en-US" smtClean="0"/>
-              <a:t>1/14/2025</a:t>
+              <a:t>2/26/25</a:t>
             </a:fld>
             <a:endParaRPr lang="en-US" dirty="0"/>
           </a:p>
@@ -2215,7 +2218,7 @@
           <a:p>
             <a:fld id="{184C34C6-D93D-964F-98F1-8B05274CB5BF}" type="datetimeFigureOut">
               <a:rPr lang="en-US" smtClean="0"/>
-              <a:t>1/14/2025</a:t>
+              <a:t>2/26/25</a:t>
             </a:fld>
             <a:endParaRPr lang="en-US" dirty="0"/>
           </a:p>
@@ -2554,43 +2557,64 @@
       </p:sp>
       <p:sp>
         <p:nvSpPr>
-          <p:cNvPr id="46" name="Content Placeholder 2">
-            <a:extLst>
-              <a:ext uri="{FF2B5EF4-FFF2-40B4-BE49-F238E27FC236}">
-                <a16:creationId xmlns:a16="http://schemas.microsoft.com/office/drawing/2014/main" id="{48F4585A-2D72-19E2-7B40-41FEB45DABA5}"/>
-              </a:ext>
-            </a:extLst>
-          </p:cNvPr>
-          <p:cNvSpPr>
-            <a:spLocks noGrp="1"/>
-          </p:cNvSpPr>
-          <p:nvPr>
-            <p:ph type="body" sz="quarter" idx="10" hasCustomPrompt="1"/>
-          </p:nvPr>
-        </p:nvSpPr>
-        <p:spPr>
-          <a:xfrm>
-            <a:off x="378478" y="1192801"/>
-            <a:ext cx="11398531" cy="306710"/>
-          </a:xfrm>
-        </p:spPr>
-        <p:txBody>
-          <a:bodyPr>
-            <a:normAutofit/>
-          </a:bodyPr>
-          <a:lstStyle>
-            <a:lvl1pPr marL="0" indent="0">
-              <a:buNone/>
-              <a:defRPr sz="1800"/>
-            </a:lvl1pPr>
-          </a:lstStyle>
+          <p:cNvPr id="3" name="Content Placeholder 3">
+            <a:extLst>
+              <a:ext uri="{FF2B5EF4-FFF2-40B4-BE49-F238E27FC236}">
+                <a16:creationId xmlns:a16="http://schemas.microsoft.com/office/drawing/2014/main" id="{308335A6-FEDB-3236-69EC-4D55F9E69E71}"/>
+              </a:ext>
+            </a:extLst>
+          </p:cNvPr>
+          <p:cNvSpPr>
+            <a:spLocks noGrp="1"/>
+          </p:cNvSpPr>
+          <p:nvPr>
+            <p:ph sz="quarter" idx="13"/>
+          </p:nvPr>
+        </p:nvSpPr>
+        <p:spPr>
+          <a:xfrm>
+            <a:off x="536713" y="1517569"/>
+            <a:ext cx="11002617" cy="5068887"/>
+          </a:xfrm>
+        </p:spPr>
+        <p:txBody>
+          <a:bodyPr/>
+          <a:lstStyle/>
           <a:p>
             <a:pPr lvl="0"/>
             <a:r>
-              <a:rPr lang="en-GB" dirty="0"/>
-              <a:t>Insert unit title</a:t>
+              <a:rPr lang="en-GB"/>
+              <a:t>Click to edit Master text styles</a:t>
             </a:r>
-            <a:endParaRPr lang="en-AU" dirty="0"/>
+          </a:p>
+          <a:p>
+            <a:pPr lvl="1"/>
+            <a:r>
+              <a:rPr lang="en-GB"/>
+              <a:t>Second level</a:t>
+            </a:r>
+          </a:p>
+          <a:p>
+            <a:pPr lvl="2"/>
+            <a:r>
+              <a:rPr lang="en-GB"/>
+              <a:t>Third level</a:t>
+            </a:r>
+          </a:p>
+          <a:p>
+            <a:pPr lvl="3"/>
+            <a:r>
+              <a:rPr lang="en-GB"/>
+              <a:t>Fourth level</a:t>
+            </a:r>
+          </a:p>
+          <a:p>
+            <a:pPr lvl="4"/>
+            <a:r>
+              <a:rPr lang="en-GB"/>
+              <a:t>Fifth level</a:t>
+            </a:r>
+            <a:endParaRPr lang="en-AU"/>
           </a:p>
         </p:txBody>
       </p:sp>
@@ -2644,64 +2668,43 @@
       </p:sp>
       <p:sp>
         <p:nvSpPr>
-          <p:cNvPr id="3" name="Content Placeholder 3">
-            <a:extLst>
-              <a:ext uri="{FF2B5EF4-FFF2-40B4-BE49-F238E27FC236}">
-                <a16:creationId xmlns:a16="http://schemas.microsoft.com/office/drawing/2014/main" id="{308335A6-FEDB-3236-69EC-4D55F9E69E71}"/>
-              </a:ext>
-            </a:extLst>
-          </p:cNvPr>
-          <p:cNvSpPr>
-            <a:spLocks noGrp="1"/>
-          </p:cNvSpPr>
-          <p:nvPr>
-            <p:ph sz="quarter" idx="13"/>
-          </p:nvPr>
-        </p:nvSpPr>
-        <p:spPr>
-          <a:xfrm>
-            <a:off x="536713" y="1517569"/>
-            <a:ext cx="11002617" cy="5068887"/>
-          </a:xfrm>
-        </p:spPr>
-        <p:txBody>
-          <a:bodyPr/>
-          <a:lstStyle/>
+          <p:cNvPr id="46" name="Content Placeholder 2">
+            <a:extLst>
+              <a:ext uri="{FF2B5EF4-FFF2-40B4-BE49-F238E27FC236}">
+                <a16:creationId xmlns:a16="http://schemas.microsoft.com/office/drawing/2014/main" id="{48F4585A-2D72-19E2-7B40-41FEB45DABA5}"/>
+              </a:ext>
+            </a:extLst>
+          </p:cNvPr>
+          <p:cNvSpPr>
+            <a:spLocks noGrp="1"/>
+          </p:cNvSpPr>
+          <p:nvPr>
+            <p:ph type="body" sz="quarter" idx="10" hasCustomPrompt="1"/>
+          </p:nvPr>
+        </p:nvSpPr>
+        <p:spPr>
+          <a:xfrm>
+            <a:off x="378478" y="1192801"/>
+            <a:ext cx="11398531" cy="306710"/>
+          </a:xfrm>
+        </p:spPr>
+        <p:txBody>
+          <a:bodyPr>
+            <a:normAutofit/>
+          </a:bodyPr>
+          <a:lstStyle>
+            <a:lvl1pPr marL="0" indent="0">
+              <a:buNone/>
+              <a:defRPr sz="1800"/>
+            </a:lvl1pPr>
+          </a:lstStyle>
           <a:p>
             <a:pPr lvl="0"/>
             <a:r>
-              <a:rPr lang="en-GB"/>
-              <a:t>Click to edit Master text styles</a:t>
+              <a:rPr lang="en-GB" dirty="0"/>
+              <a:t>Insert unit title</a:t>
             </a:r>
-          </a:p>
-          <a:p>
-            <a:pPr lvl="1"/>
-            <a:r>
-              <a:rPr lang="en-GB"/>
-              <a:t>Second level</a:t>
-            </a:r>
-          </a:p>
-          <a:p>
-            <a:pPr lvl="2"/>
-            <a:r>
-              <a:rPr lang="en-GB"/>
-              <a:t>Third level</a:t>
-            </a:r>
-          </a:p>
-          <a:p>
-            <a:pPr lvl="3"/>
-            <a:r>
-              <a:rPr lang="en-GB"/>
-              <a:t>Fourth level</a:t>
-            </a:r>
-          </a:p>
-          <a:p>
-            <a:pPr lvl="4"/>
-            <a:r>
-              <a:rPr lang="en-GB"/>
-              <a:t>Fifth level</a:t>
-            </a:r>
-            <a:endParaRPr lang="en-AU"/>
+            <a:endParaRPr lang="en-AU" dirty="0"/>
           </a:p>
         </p:txBody>
       </p:sp>
@@ -2906,7 +2909,7 @@
           <a:p>
             <a:fld id="{184C34C6-D93D-964F-98F1-8B05274CB5BF}" type="datetimeFigureOut">
               <a:rPr lang="en-AU" noProof="0" smtClean="0"/>
-              <a:t>14/01/2025</a:t>
+              <a:t>26/2/2025</a:t>
             </a:fld>
             <a:endParaRPr lang="en-AU" noProof="0"/>
           </a:p>
@@ -3318,6 +3321,186 @@
     </p:ext>
   </p:extLst>
 </p:sldMaster>
+</file>
+
+<file path=ppt/slides/slide1.xml><?xml version="1.0" encoding="utf-8"?>
+<p:sld xmlns:a="http://schemas.openxmlformats.org/drawingml/2006/main" xmlns:r="http://schemas.openxmlformats.org/officeDocument/2006/relationships" xmlns:p="http://schemas.openxmlformats.org/presentationml/2006/main">
+  <p:cSld>
+    <p:spTree>
+      <p:nvGrpSpPr>
+        <p:cNvPr id="1" name=""/>
+        <p:cNvGrpSpPr/>
+        <p:nvPr/>
+      </p:nvGrpSpPr>
+      <p:grpSpPr>
+        <a:xfrm>
+          <a:off x="0" y="0"/>
+          <a:ext cx="0" cy="0"/>
+          <a:chOff x="0" y="0"/>
+          <a:chExt cx="0" cy="0"/>
+        </a:xfrm>
+      </p:grpSpPr>
+      <p:sp>
+        <p:nvSpPr>
+          <p:cNvPr id="2" name="Picture Placeholder 1">
+            <a:extLst>
+              <a:ext uri="{FF2B5EF4-FFF2-40B4-BE49-F238E27FC236}">
+                <a16:creationId xmlns:a16="http://schemas.microsoft.com/office/drawing/2014/main" id="{1F4A2C6E-EB18-EB88-8E73-96E81E660B2B}"/>
+              </a:ext>
+            </a:extLst>
+          </p:cNvPr>
+          <p:cNvSpPr>
+            <a:spLocks noGrp="1"/>
+          </p:cNvSpPr>
+          <p:nvPr>
+            <p:ph type="pic" sz="quarter" idx="11"/>
+          </p:nvPr>
+        </p:nvSpPr>
+        <p:spPr/>
+        <p:txBody>
+          <a:bodyPr/>
+          <a:lstStyle/>
+          <a:p>
+            <a:endParaRPr lang="en-US"/>
+          </a:p>
+        </p:txBody>
+      </p:sp>
+      <p:sp>
+        <p:nvSpPr>
+          <p:cNvPr id="3" name="Picture Placeholder 2">
+            <a:extLst>
+              <a:ext uri="{FF2B5EF4-FFF2-40B4-BE49-F238E27FC236}">
+                <a16:creationId xmlns:a16="http://schemas.microsoft.com/office/drawing/2014/main" id="{AE73B399-2F7E-52A0-5FB2-46DA4ACA0928}"/>
+              </a:ext>
+            </a:extLst>
+          </p:cNvPr>
+          <p:cNvSpPr>
+            <a:spLocks noGrp="1"/>
+          </p:cNvSpPr>
+          <p:nvPr>
+            <p:ph type="pic" sz="quarter" idx="12"/>
+          </p:nvPr>
+        </p:nvSpPr>
+        <p:spPr/>
+        <p:txBody>
+          <a:bodyPr/>
+          <a:lstStyle/>
+          <a:p>
+            <a:endParaRPr lang="en-US"/>
+          </a:p>
+        </p:txBody>
+      </p:sp>
+      <p:sp>
+        <p:nvSpPr>
+          <p:cNvPr id="4" name="Text Placeholder 3">
+            <a:extLst>
+              <a:ext uri="{FF2B5EF4-FFF2-40B4-BE49-F238E27FC236}">
+                <a16:creationId xmlns:a16="http://schemas.microsoft.com/office/drawing/2014/main" id="{1CDA4D2D-71F9-A9C7-F9CF-C0B0C41BF460}"/>
+              </a:ext>
+            </a:extLst>
+          </p:cNvPr>
+          <p:cNvSpPr>
+            <a:spLocks noGrp="1"/>
+          </p:cNvSpPr>
+          <p:nvPr>
+            <p:ph type="body" sz="quarter" idx="13"/>
+          </p:nvPr>
+        </p:nvSpPr>
+        <p:spPr/>
+        <p:txBody>
+          <a:bodyPr/>
+          <a:lstStyle/>
+          <a:p>
+            <a:endParaRPr lang="en-US"/>
+          </a:p>
+        </p:txBody>
+      </p:sp>
+      <p:sp>
+        <p:nvSpPr>
+          <p:cNvPr id="5" name="Text Placeholder 4">
+            <a:extLst>
+              <a:ext uri="{FF2B5EF4-FFF2-40B4-BE49-F238E27FC236}">
+                <a16:creationId xmlns:a16="http://schemas.microsoft.com/office/drawing/2014/main" id="{301A95E8-7B29-3A83-18D4-0F1F7497D127}"/>
+              </a:ext>
+            </a:extLst>
+          </p:cNvPr>
+          <p:cNvSpPr>
+            <a:spLocks noGrp="1"/>
+          </p:cNvSpPr>
+          <p:nvPr>
+            <p:ph type="body" sz="quarter" idx="14"/>
+          </p:nvPr>
+        </p:nvSpPr>
+        <p:spPr/>
+        <p:txBody>
+          <a:bodyPr/>
+          <a:lstStyle/>
+          <a:p>
+            <a:endParaRPr lang="en-US"/>
+          </a:p>
+        </p:txBody>
+      </p:sp>
+      <p:sp>
+        <p:nvSpPr>
+          <p:cNvPr id="6" name="Text Placeholder 5">
+            <a:extLst>
+              <a:ext uri="{FF2B5EF4-FFF2-40B4-BE49-F238E27FC236}">
+                <a16:creationId xmlns:a16="http://schemas.microsoft.com/office/drawing/2014/main" id="{40329BCF-3B61-3DDF-5B6C-647EAEF4B5AF}"/>
+              </a:ext>
+            </a:extLst>
+          </p:cNvPr>
+          <p:cNvSpPr>
+            <a:spLocks noGrp="1"/>
+          </p:cNvSpPr>
+          <p:nvPr>
+            <p:ph type="body" sz="quarter" idx="15"/>
+          </p:nvPr>
+        </p:nvSpPr>
+        <p:spPr/>
+        <p:txBody>
+          <a:bodyPr/>
+          <a:lstStyle/>
+          <a:p>
+            <a:endParaRPr lang="en-US"/>
+          </a:p>
+        </p:txBody>
+      </p:sp>
+      <p:sp>
+        <p:nvSpPr>
+          <p:cNvPr id="7" name="Text Placeholder 6">
+            <a:extLst>
+              <a:ext uri="{FF2B5EF4-FFF2-40B4-BE49-F238E27FC236}">
+                <a16:creationId xmlns:a16="http://schemas.microsoft.com/office/drawing/2014/main" id="{E2B22197-2628-EF68-E9DA-F3C9C4EF4A31}"/>
+              </a:ext>
+            </a:extLst>
+          </p:cNvPr>
+          <p:cNvSpPr>
+            <a:spLocks noGrp="1"/>
+          </p:cNvSpPr>
+          <p:nvPr>
+            <p:ph type="body" sz="quarter" idx="16"/>
+          </p:nvPr>
+        </p:nvSpPr>
+        <p:spPr/>
+        <p:txBody>
+          <a:bodyPr/>
+          <a:lstStyle/>
+          <a:p>
+            <a:endParaRPr lang="en-US"/>
+          </a:p>
+        </p:txBody>
+      </p:sp>
+    </p:spTree>
+    <p:extLst>
+      <p:ext uri="{BB962C8B-B14F-4D97-AF65-F5344CB8AC3E}">
+        <p14:creationId xmlns:p14="http://schemas.microsoft.com/office/powerpoint/2010/main" val="117445005"/>
+      </p:ext>
+    </p:extLst>
+  </p:cSld>
+  <p:clrMapOvr>
+    <a:masterClrMapping/>
+  </p:clrMapOvr>
+</p:sld>
 </file>
 
 <file path=ppt/theme/theme1.xml><?xml version="1.0" encoding="utf-8"?>

--- a/inst/extdata/template_fullslide.pptx
+++ b/inst/extdata/template_fullslide.pptx
@@ -5,11 +5,8 @@
     <p:sldMasterId id="2147483831" r:id="rId1"/>
   </p:sldMasterIdLst>
   <p:notesMasterIdLst>
-    <p:notesMasterId r:id="rId3"/>
+    <p:notesMasterId r:id="rId2"/>
   </p:notesMasterIdLst>
-  <p:sldIdLst>
-    <p:sldId id="256" r:id="rId2"/>
-  </p:sldIdLst>
   <p:sldSz cx="12192000" cy="6858000"/>
   <p:notesSz cx="6858000" cy="9144000"/>
   <p:defaultTextStyle>
@@ -206,7 +203,7 @@
           <a:p>
             <a:fld id="{E6375376-077A-8F42-9E71-155E70FB596E}" type="datetimeFigureOut">
               <a:rPr lang="en-US" smtClean="0"/>
-              <a:t>2/26/25</a:t>
+              <a:t>2/28/25</a:t>
             </a:fld>
             <a:endParaRPr lang="en-US"/>
           </a:p>
@@ -1156,7 +1153,7 @@
           <a:p>
             <a:fld id="{184C34C6-D93D-964F-98F1-8B05274CB5BF}" type="datetimeFigureOut">
               <a:rPr lang="en-US" smtClean="0"/>
-              <a:t>2/26/25</a:t>
+              <a:t>2/28/25</a:t>
             </a:fld>
             <a:endParaRPr lang="en-US"/>
           </a:p>
@@ -1377,7 +1374,7 @@
           <a:p>
             <a:fld id="{184C34C6-D93D-964F-98F1-8B05274CB5BF}" type="datetimeFigureOut">
               <a:rPr lang="en-US" smtClean="0"/>
-              <a:t>2/26/25</a:t>
+              <a:t>2/28/25</a:t>
             </a:fld>
             <a:endParaRPr lang="en-US" dirty="0"/>
           </a:p>
@@ -1701,7 +1698,7 @@
           <a:p>
             <a:fld id="{184C34C6-D93D-964F-98F1-8B05274CB5BF}" type="datetimeFigureOut">
               <a:rPr lang="en-US" smtClean="0"/>
-              <a:t>2/26/25</a:t>
+              <a:t>2/28/25</a:t>
             </a:fld>
             <a:endParaRPr lang="en-US" dirty="0"/>
           </a:p>
@@ -2218,7 +2215,7 @@
           <a:p>
             <a:fld id="{184C34C6-D93D-964F-98F1-8B05274CB5BF}" type="datetimeFigureOut">
               <a:rPr lang="en-US" smtClean="0"/>
-              <a:t>2/26/25</a:t>
+              <a:t>2/28/25</a:t>
             </a:fld>
             <a:endParaRPr lang="en-US" dirty="0"/>
           </a:p>
@@ -2909,7 +2906,7 @@
           <a:p>
             <a:fld id="{184C34C6-D93D-964F-98F1-8B05274CB5BF}" type="datetimeFigureOut">
               <a:rPr lang="en-AU" noProof="0" smtClean="0"/>
-              <a:t>26/2/2025</a:t>
+              <a:t>28/2/2025</a:t>
             </a:fld>
             <a:endParaRPr lang="en-AU" noProof="0"/>
           </a:p>
@@ -3321,186 +3318,6 @@
     </p:ext>
   </p:extLst>
 </p:sldMaster>
-</file>
-
-<file path=ppt/slides/slide1.xml><?xml version="1.0" encoding="utf-8"?>
-<p:sld xmlns:a="http://schemas.openxmlformats.org/drawingml/2006/main" xmlns:r="http://schemas.openxmlformats.org/officeDocument/2006/relationships" xmlns:p="http://schemas.openxmlformats.org/presentationml/2006/main">
-  <p:cSld>
-    <p:spTree>
-      <p:nvGrpSpPr>
-        <p:cNvPr id="1" name=""/>
-        <p:cNvGrpSpPr/>
-        <p:nvPr/>
-      </p:nvGrpSpPr>
-      <p:grpSpPr>
-        <a:xfrm>
-          <a:off x="0" y="0"/>
-          <a:ext cx="0" cy="0"/>
-          <a:chOff x="0" y="0"/>
-          <a:chExt cx="0" cy="0"/>
-        </a:xfrm>
-      </p:grpSpPr>
-      <p:sp>
-        <p:nvSpPr>
-          <p:cNvPr id="2" name="Picture Placeholder 1">
-            <a:extLst>
-              <a:ext uri="{FF2B5EF4-FFF2-40B4-BE49-F238E27FC236}">
-                <a16:creationId xmlns:a16="http://schemas.microsoft.com/office/drawing/2014/main" id="{1F4A2C6E-EB18-EB88-8E73-96E81E660B2B}"/>
-              </a:ext>
-            </a:extLst>
-          </p:cNvPr>
-          <p:cNvSpPr>
-            <a:spLocks noGrp="1"/>
-          </p:cNvSpPr>
-          <p:nvPr>
-            <p:ph type="pic" sz="quarter" idx="11"/>
-          </p:nvPr>
-        </p:nvSpPr>
-        <p:spPr/>
-        <p:txBody>
-          <a:bodyPr/>
-          <a:lstStyle/>
-          <a:p>
-            <a:endParaRPr lang="en-US"/>
-          </a:p>
-        </p:txBody>
-      </p:sp>
-      <p:sp>
-        <p:nvSpPr>
-          <p:cNvPr id="3" name="Picture Placeholder 2">
-            <a:extLst>
-              <a:ext uri="{FF2B5EF4-FFF2-40B4-BE49-F238E27FC236}">
-                <a16:creationId xmlns:a16="http://schemas.microsoft.com/office/drawing/2014/main" id="{AE73B399-2F7E-52A0-5FB2-46DA4ACA0928}"/>
-              </a:ext>
-            </a:extLst>
-          </p:cNvPr>
-          <p:cNvSpPr>
-            <a:spLocks noGrp="1"/>
-          </p:cNvSpPr>
-          <p:nvPr>
-            <p:ph type="pic" sz="quarter" idx="12"/>
-          </p:nvPr>
-        </p:nvSpPr>
-        <p:spPr/>
-        <p:txBody>
-          <a:bodyPr/>
-          <a:lstStyle/>
-          <a:p>
-            <a:endParaRPr lang="en-US"/>
-          </a:p>
-        </p:txBody>
-      </p:sp>
-      <p:sp>
-        <p:nvSpPr>
-          <p:cNvPr id="4" name="Text Placeholder 3">
-            <a:extLst>
-              <a:ext uri="{FF2B5EF4-FFF2-40B4-BE49-F238E27FC236}">
-                <a16:creationId xmlns:a16="http://schemas.microsoft.com/office/drawing/2014/main" id="{1CDA4D2D-71F9-A9C7-F9CF-C0B0C41BF460}"/>
-              </a:ext>
-            </a:extLst>
-          </p:cNvPr>
-          <p:cNvSpPr>
-            <a:spLocks noGrp="1"/>
-          </p:cNvSpPr>
-          <p:nvPr>
-            <p:ph type="body" sz="quarter" idx="13"/>
-          </p:nvPr>
-        </p:nvSpPr>
-        <p:spPr/>
-        <p:txBody>
-          <a:bodyPr/>
-          <a:lstStyle/>
-          <a:p>
-            <a:endParaRPr lang="en-US"/>
-          </a:p>
-        </p:txBody>
-      </p:sp>
-      <p:sp>
-        <p:nvSpPr>
-          <p:cNvPr id="5" name="Text Placeholder 4">
-            <a:extLst>
-              <a:ext uri="{FF2B5EF4-FFF2-40B4-BE49-F238E27FC236}">
-                <a16:creationId xmlns:a16="http://schemas.microsoft.com/office/drawing/2014/main" id="{301A95E8-7B29-3A83-18D4-0F1F7497D127}"/>
-              </a:ext>
-            </a:extLst>
-          </p:cNvPr>
-          <p:cNvSpPr>
-            <a:spLocks noGrp="1"/>
-          </p:cNvSpPr>
-          <p:nvPr>
-            <p:ph type="body" sz="quarter" idx="14"/>
-          </p:nvPr>
-        </p:nvSpPr>
-        <p:spPr/>
-        <p:txBody>
-          <a:bodyPr/>
-          <a:lstStyle/>
-          <a:p>
-            <a:endParaRPr lang="en-US"/>
-          </a:p>
-        </p:txBody>
-      </p:sp>
-      <p:sp>
-        <p:nvSpPr>
-          <p:cNvPr id="6" name="Text Placeholder 5">
-            <a:extLst>
-              <a:ext uri="{FF2B5EF4-FFF2-40B4-BE49-F238E27FC236}">
-                <a16:creationId xmlns:a16="http://schemas.microsoft.com/office/drawing/2014/main" id="{40329BCF-3B61-3DDF-5B6C-647EAEF4B5AF}"/>
-              </a:ext>
-            </a:extLst>
-          </p:cNvPr>
-          <p:cNvSpPr>
-            <a:spLocks noGrp="1"/>
-          </p:cNvSpPr>
-          <p:nvPr>
-            <p:ph type="body" sz="quarter" idx="15"/>
-          </p:nvPr>
-        </p:nvSpPr>
-        <p:spPr/>
-        <p:txBody>
-          <a:bodyPr/>
-          <a:lstStyle/>
-          <a:p>
-            <a:endParaRPr lang="en-US"/>
-          </a:p>
-        </p:txBody>
-      </p:sp>
-      <p:sp>
-        <p:nvSpPr>
-          <p:cNvPr id="7" name="Text Placeholder 6">
-            <a:extLst>
-              <a:ext uri="{FF2B5EF4-FFF2-40B4-BE49-F238E27FC236}">
-                <a16:creationId xmlns:a16="http://schemas.microsoft.com/office/drawing/2014/main" id="{E2B22197-2628-EF68-E9DA-F3C9C4EF4A31}"/>
-              </a:ext>
-            </a:extLst>
-          </p:cNvPr>
-          <p:cNvSpPr>
-            <a:spLocks noGrp="1"/>
-          </p:cNvSpPr>
-          <p:nvPr>
-            <p:ph type="body" sz="quarter" idx="16"/>
-          </p:nvPr>
-        </p:nvSpPr>
-        <p:spPr/>
-        <p:txBody>
-          <a:bodyPr/>
-          <a:lstStyle/>
-          <a:p>
-            <a:endParaRPr lang="en-US"/>
-          </a:p>
-        </p:txBody>
-      </p:sp>
-    </p:spTree>
-    <p:extLst>
-      <p:ext uri="{BB962C8B-B14F-4D97-AF65-F5344CB8AC3E}">
-        <p14:creationId xmlns:p14="http://schemas.microsoft.com/office/powerpoint/2010/main" val="117445005"/>
-      </p:ext>
-    </p:extLst>
-  </p:cSld>
-  <p:clrMapOvr>
-    <a:masterClrMapping/>
-  </p:clrMapOvr>
-</p:sld>
 </file>
 
 <file path=ppt/theme/theme1.xml><?xml version="1.0" encoding="utf-8"?>

--- a/inst/extdata/template_fullslide.pptx
+++ b/inst/extdata/template_fullslide.pptx
@@ -2571,7 +2571,7 @@
         <p:spPr>
           <a:xfrm>
             <a:off x="536713" y="1517569"/>
-            <a:ext cx="11002617" cy="5068887"/>
+            <a:ext cx="11002617" cy="5068800"/>
           </a:xfrm>
         </p:spPr>
         <p:txBody>
@@ -2612,6 +2612,48 @@
               <a:t>Fifth level</a:t>
             </a:r>
             <a:endParaRPr lang="en-AU"/>
+          </a:p>
+        </p:txBody>
+      </p:sp>
+      <p:sp>
+        <p:nvSpPr>
+          <p:cNvPr id="46" name="Content Placeholder 2">
+            <a:extLst>
+              <a:ext uri="{FF2B5EF4-FFF2-40B4-BE49-F238E27FC236}">
+                <a16:creationId xmlns:a16="http://schemas.microsoft.com/office/drawing/2014/main" id="{48F4585A-2D72-19E2-7B40-41FEB45DABA5}"/>
+              </a:ext>
+            </a:extLst>
+          </p:cNvPr>
+          <p:cNvSpPr>
+            <a:spLocks noGrp="1"/>
+          </p:cNvSpPr>
+          <p:nvPr>
+            <p:ph type="body" sz="quarter" idx="10" hasCustomPrompt="1"/>
+          </p:nvPr>
+        </p:nvSpPr>
+        <p:spPr>
+          <a:xfrm>
+            <a:off x="378478" y="1192801"/>
+            <a:ext cx="11398531" cy="306710"/>
+          </a:xfrm>
+        </p:spPr>
+        <p:txBody>
+          <a:bodyPr>
+            <a:normAutofit/>
+          </a:bodyPr>
+          <a:lstStyle>
+            <a:lvl1pPr marL="0" indent="0">
+              <a:buNone/>
+              <a:defRPr sz="1800"/>
+            </a:lvl1pPr>
+          </a:lstStyle>
+          <a:p>
+            <a:pPr lvl="0"/>
+            <a:r>
+              <a:rPr lang="en-GB" dirty="0"/>
+              <a:t>Insert unit title</a:t>
+            </a:r>
+            <a:endParaRPr lang="en-AU" dirty="0"/>
           </a:p>
         </p:txBody>
       </p:sp>
@@ -2658,48 +2700,6 @@
             <a:r>
               <a:rPr lang="en-GB" dirty="0"/>
               <a:t>Insert source and notes here</a:t>
-            </a:r>
-            <a:endParaRPr lang="en-AU" dirty="0"/>
-          </a:p>
-        </p:txBody>
-      </p:sp>
-      <p:sp>
-        <p:nvSpPr>
-          <p:cNvPr id="46" name="Content Placeholder 2">
-            <a:extLst>
-              <a:ext uri="{FF2B5EF4-FFF2-40B4-BE49-F238E27FC236}">
-                <a16:creationId xmlns:a16="http://schemas.microsoft.com/office/drawing/2014/main" id="{48F4585A-2D72-19E2-7B40-41FEB45DABA5}"/>
-              </a:ext>
-            </a:extLst>
-          </p:cNvPr>
-          <p:cNvSpPr>
-            <a:spLocks noGrp="1"/>
-          </p:cNvSpPr>
-          <p:nvPr>
-            <p:ph type="body" sz="quarter" idx="10" hasCustomPrompt="1"/>
-          </p:nvPr>
-        </p:nvSpPr>
-        <p:spPr>
-          <a:xfrm>
-            <a:off x="378478" y="1192801"/>
-            <a:ext cx="11398531" cy="306710"/>
-          </a:xfrm>
-        </p:spPr>
-        <p:txBody>
-          <a:bodyPr>
-            <a:normAutofit/>
-          </a:bodyPr>
-          <a:lstStyle>
-            <a:lvl1pPr marL="0" indent="0">
-              <a:buNone/>
-              <a:defRPr sz="1800"/>
-            </a:lvl1pPr>
-          </a:lstStyle>
-          <a:p>
-            <a:pPr lvl="0"/>
-            <a:r>
-              <a:rPr lang="en-GB" dirty="0"/>
-              <a:t>Insert unit title</a:t>
             </a:r>
             <a:endParaRPr lang="en-AU" dirty="0"/>
           </a:p>

--- a/inst/extdata/template_fullslide.pptx
+++ b/inst/extdata/template_fullslide.pptx
@@ -203,7 +203,7 @@
           <a:p>
             <a:fld id="{E6375376-077A-8F42-9E71-155E70FB596E}" type="datetimeFigureOut">
               <a:rPr lang="en-US" smtClean="0"/>
-              <a:t>2/28/25</a:t>
+              <a:t>3/3/25</a:t>
             </a:fld>
             <a:endParaRPr lang="en-US"/>
           </a:p>
@@ -1153,7 +1153,7 @@
           <a:p>
             <a:fld id="{184C34C6-D93D-964F-98F1-8B05274CB5BF}" type="datetimeFigureOut">
               <a:rPr lang="en-US" smtClean="0"/>
-              <a:t>2/28/25</a:t>
+              <a:t>3/3/25</a:t>
             </a:fld>
             <a:endParaRPr lang="en-US"/>
           </a:p>
@@ -1374,7 +1374,7 @@
           <a:p>
             <a:fld id="{184C34C6-D93D-964F-98F1-8B05274CB5BF}" type="datetimeFigureOut">
               <a:rPr lang="en-US" smtClean="0"/>
-              <a:t>2/28/25</a:t>
+              <a:t>3/3/25</a:t>
             </a:fld>
             <a:endParaRPr lang="en-US" dirty="0"/>
           </a:p>
@@ -1698,7 +1698,7 @@
           <a:p>
             <a:fld id="{184C34C6-D93D-964F-98F1-8B05274CB5BF}" type="datetimeFigureOut">
               <a:rPr lang="en-US" smtClean="0"/>
-              <a:t>2/28/25</a:t>
+              <a:t>3/3/25</a:t>
             </a:fld>
             <a:endParaRPr lang="en-US" dirty="0"/>
           </a:p>
@@ -2215,7 +2215,7 @@
           <a:p>
             <a:fld id="{184C34C6-D93D-964F-98F1-8B05274CB5BF}" type="datetimeFigureOut">
               <a:rPr lang="en-US" smtClean="0"/>
-              <a:t>2/28/25</a:t>
+              <a:t>3/3/25</a:t>
             </a:fld>
             <a:endParaRPr lang="en-US" dirty="0"/>
           </a:p>
@@ -2680,8 +2680,8 @@
           </a:xfrm>
         </p:spPr>
         <p:txBody>
-          <a:bodyPr>
-            <a:normAutofit/>
+          <a:bodyPr anchor="b" anchorCtr="0">
+            <a:noAutofit/>
           </a:bodyPr>
           <a:lstStyle>
             <a:lvl1pPr marL="0" indent="0">
@@ -2906,7 +2906,7 @@
           <a:p>
             <a:fld id="{184C34C6-D93D-964F-98F1-8B05274CB5BF}" type="datetimeFigureOut">
               <a:rPr lang="en-AU" noProof="0" smtClean="0"/>
-              <a:t>28/2/2025</a:t>
+              <a:t>3/3/2025</a:t>
             </a:fld>
             <a:endParaRPr lang="en-AU" noProof="0"/>
           </a:p>

--- a/inst/extdata/template_fullslide.pptx
+++ b/inst/extdata/template_fullslide.pptx
@@ -203,7 +203,7 @@
           <a:p>
             <a:fld id="{E6375376-077A-8F42-9E71-155E70FB596E}" type="datetimeFigureOut">
               <a:rPr lang="en-US" smtClean="0"/>
-              <a:t>3/3/25</a:t>
+              <a:t>4/3/25</a:t>
             </a:fld>
             <a:endParaRPr lang="en-US"/>
           </a:p>
@@ -1153,7 +1153,7 @@
           <a:p>
             <a:fld id="{184C34C6-D93D-964F-98F1-8B05274CB5BF}" type="datetimeFigureOut">
               <a:rPr lang="en-US" smtClean="0"/>
-              <a:t>3/3/25</a:t>
+              <a:t>4/3/25</a:t>
             </a:fld>
             <a:endParaRPr lang="en-US"/>
           </a:p>
@@ -1374,7 +1374,7 @@
           <a:p>
             <a:fld id="{184C34C6-D93D-964F-98F1-8B05274CB5BF}" type="datetimeFigureOut">
               <a:rPr lang="en-US" smtClean="0"/>
-              <a:t>3/3/25</a:t>
+              <a:t>4/3/25</a:t>
             </a:fld>
             <a:endParaRPr lang="en-US" dirty="0"/>
           </a:p>
@@ -1698,7 +1698,7 @@
           <a:p>
             <a:fld id="{184C34C6-D93D-964F-98F1-8B05274CB5BF}" type="datetimeFigureOut">
               <a:rPr lang="en-US" smtClean="0"/>
-              <a:t>3/3/25</a:t>
+              <a:t>4/3/25</a:t>
             </a:fld>
             <a:endParaRPr lang="en-US" dirty="0"/>
           </a:p>
@@ -2215,7 +2215,7 @@
           <a:p>
             <a:fld id="{184C34C6-D93D-964F-98F1-8B05274CB5BF}" type="datetimeFigureOut">
               <a:rPr lang="en-US" smtClean="0"/>
-              <a:t>3/3/25</a:t>
+              <a:t>4/3/25</a:t>
             </a:fld>
             <a:endParaRPr lang="en-US" dirty="0"/>
           </a:p>
@@ -2554,10 +2554,10 @@
       </p:sp>
       <p:sp>
         <p:nvSpPr>
-          <p:cNvPr id="3" name="Content Placeholder 3">
+          <p:cNvPr id="5" name="Content Placeholder 3">
             <a:extLst>
               <a:ext uri="{FF2B5EF4-FFF2-40B4-BE49-F238E27FC236}">
-                <a16:creationId xmlns:a16="http://schemas.microsoft.com/office/drawing/2014/main" id="{308335A6-FEDB-3236-69EC-4D55F9E69E71}"/>
+                <a16:creationId xmlns:a16="http://schemas.microsoft.com/office/drawing/2014/main" id="{65DDA1B1-E990-1373-D6AB-EF6EEB4045CA}"/>
               </a:ext>
             </a:extLst>
           </p:cNvPr>
@@ -2565,62 +2565,78 @@
             <a:spLocks noGrp="1"/>
           </p:cNvSpPr>
           <p:nvPr>
-            <p:ph sz="quarter" idx="13"/>
-          </p:nvPr>
-        </p:nvSpPr>
-        <p:spPr>
-          <a:xfrm>
-            <a:off x="536713" y="1517569"/>
-            <a:ext cx="11002617" cy="5068800"/>
+            <p:ph type="chart" sz="quarter" idx="12"/>
+          </p:nvPr>
+        </p:nvSpPr>
+        <p:spPr>
+          <a:xfrm>
+            <a:off x="371475" y="1808163"/>
+            <a:ext cx="11412538" cy="4284662"/>
           </a:xfrm>
         </p:spPr>
         <p:txBody>
           <a:bodyPr/>
           <a:lstStyle/>
           <a:p>
+            <a:r>
+              <a:rPr lang="en-GB"/>
+              <a:t>Click icon to add chart</a:t>
+            </a:r>
+            <a:endParaRPr lang="en-AU"/>
+          </a:p>
+        </p:txBody>
+      </p:sp>
+      <p:sp>
+        <p:nvSpPr>
+          <p:cNvPr id="7" name="Caption Placeholder 1">
+            <a:extLst>
+              <a:ext uri="{FF2B5EF4-FFF2-40B4-BE49-F238E27FC236}">
+                <a16:creationId xmlns:a16="http://schemas.microsoft.com/office/drawing/2014/main" id="{0B68B2F7-35DA-8DD2-1D07-9D280795C281}"/>
+              </a:ext>
+            </a:extLst>
+          </p:cNvPr>
+          <p:cNvSpPr>
+            <a:spLocks noGrp="1"/>
+          </p:cNvSpPr>
+          <p:nvPr>
+            <p:ph type="body" sz="quarter" idx="11" hasCustomPrompt="1"/>
+          </p:nvPr>
+        </p:nvSpPr>
+        <p:spPr>
+          <a:xfrm>
+            <a:off x="371475" y="6239781"/>
+            <a:ext cx="10662320" cy="455613"/>
+          </a:xfrm>
+        </p:spPr>
+        <p:txBody>
+          <a:bodyPr anchor="t">
+            <a:normAutofit/>
+          </a:bodyPr>
+          <a:lstStyle>
+            <a:lvl1pPr marL="0" indent="0">
+              <a:spcBef>
+                <a:spcPts val="200"/>
+              </a:spcBef>
+              <a:buNone/>
+              <a:defRPr sz="800"/>
+            </a:lvl1pPr>
+          </a:lstStyle>
+          <a:p>
             <a:pPr lvl="0"/>
             <a:r>
-              <a:rPr lang="en-GB"/>
-              <a:t>Click to edit Master text styles</a:t>
+              <a:rPr lang="en-GB" dirty="0"/>
+              <a:t>Insert source and notes here</a:t>
             </a:r>
-          </a:p>
-          <a:p>
-            <a:pPr lvl="1"/>
-            <a:r>
-              <a:rPr lang="en-GB"/>
-              <a:t>Second level</a:t>
-            </a:r>
-          </a:p>
-          <a:p>
-            <a:pPr lvl="2"/>
-            <a:r>
-              <a:rPr lang="en-GB"/>
-              <a:t>Third level</a:t>
-            </a:r>
-          </a:p>
-          <a:p>
-            <a:pPr lvl="3"/>
-            <a:r>
-              <a:rPr lang="en-GB"/>
-              <a:t>Fourth level</a:t>
-            </a:r>
-          </a:p>
-          <a:p>
-            <a:pPr lvl="4"/>
-            <a:r>
-              <a:rPr lang="en-GB"/>
-              <a:t>Fifth level</a:t>
-            </a:r>
-            <a:endParaRPr lang="en-AU"/>
-          </a:p>
-        </p:txBody>
-      </p:sp>
-      <p:sp>
-        <p:nvSpPr>
-          <p:cNvPr id="46" name="Content Placeholder 2">
+            <a:endParaRPr lang="en-AU" dirty="0"/>
+          </a:p>
+        </p:txBody>
+      </p:sp>
+      <p:sp>
+        <p:nvSpPr>
+          <p:cNvPr id="8" name="Content Placeholder 2">
             <a:extLst>
               <a:ext uri="{FF2B5EF4-FFF2-40B4-BE49-F238E27FC236}">
-                <a16:creationId xmlns:a16="http://schemas.microsoft.com/office/drawing/2014/main" id="{48F4585A-2D72-19E2-7B40-41FEB45DABA5}"/>
+                <a16:creationId xmlns:a16="http://schemas.microsoft.com/office/drawing/2014/main" id="{1B2EC199-2580-9D84-9E72-CE7324DB7A05}"/>
               </a:ext>
             </a:extLst>
           </p:cNvPr>
@@ -2633,13 +2649,13 @@
         </p:nvSpPr>
         <p:spPr>
           <a:xfrm>
-            <a:off x="378478" y="1192801"/>
-            <a:ext cx="11398531" cy="306710"/>
+            <a:off x="378478" y="1312069"/>
+            <a:ext cx="11398531" cy="335156"/>
           </a:xfrm>
         </p:spPr>
         <p:txBody>
           <a:bodyPr>
-            <a:normAutofit/>
+            <a:noAutofit/>
           </a:bodyPr>
           <a:lstStyle>
             <a:lvl1pPr marL="0" indent="0">
@@ -2652,54 +2668,6 @@
             <a:r>
               <a:rPr lang="en-GB" dirty="0"/>
               <a:t>Insert unit title</a:t>
-            </a:r>
-            <a:endParaRPr lang="en-AU" dirty="0"/>
-          </a:p>
-        </p:txBody>
-      </p:sp>
-      <p:sp>
-        <p:nvSpPr>
-          <p:cNvPr id="48" name="Caption Placeholder 1">
-            <a:extLst>
-              <a:ext uri="{FF2B5EF4-FFF2-40B4-BE49-F238E27FC236}">
-                <a16:creationId xmlns:a16="http://schemas.microsoft.com/office/drawing/2014/main" id="{69F7CE92-E1D5-B5FE-FFCF-4017AEF4DBAA}"/>
-              </a:ext>
-            </a:extLst>
-          </p:cNvPr>
-          <p:cNvSpPr>
-            <a:spLocks noGrp="1"/>
-          </p:cNvSpPr>
-          <p:nvPr>
-            <p:ph type="body" sz="quarter" idx="11" hasCustomPrompt="1"/>
-          </p:nvPr>
-        </p:nvSpPr>
-        <p:spPr>
-          <a:xfrm>
-            <a:off x="371474" y="6586456"/>
-            <a:ext cx="11412539" cy="228206"/>
-          </a:xfrm>
-        </p:spPr>
-        <p:txBody>
-          <a:bodyPr anchor="b" anchorCtr="0">
-            <a:noAutofit/>
-          </a:bodyPr>
-          <a:lstStyle>
-            <a:lvl1pPr marL="0" indent="0">
-              <a:lnSpc>
-                <a:spcPct val="100000"/>
-              </a:lnSpc>
-              <a:spcBef>
-                <a:spcPts val="0"/>
-              </a:spcBef>
-              <a:buNone/>
-              <a:defRPr sz="800"/>
-            </a:lvl1pPr>
-          </a:lstStyle>
-          <a:p>
-            <a:pPr lvl="0"/>
-            <a:r>
-              <a:rPr lang="en-GB" dirty="0"/>
-              <a:t>Insert source and notes here</a:t>
             </a:r>
             <a:endParaRPr lang="en-AU" dirty="0"/>
           </a:p>
@@ -2906,7 +2874,7 @@
           <a:p>
             <a:fld id="{184C34C6-D93D-964F-98F1-8B05274CB5BF}" type="datetimeFigureOut">
               <a:rPr lang="en-AU" noProof="0" smtClean="0"/>
-              <a:t>3/3/2025</a:t>
+              <a:t>3/4/2025</a:t>
             </a:fld>
             <a:endParaRPr lang="en-AU" noProof="0"/>
           </a:p>
